--- a/Chap/DB/Presentations/DBSQLIntro.pptx
+++ b/Chap/DB/Presentations/DBSQLIntro.pptx
@@ -258,7 +258,7 @@
           <a:p>
             <a:fld id="{E15B7D8E-2A20-4C0E-991C-872DBB7459A8}" type="datetimeFigureOut">
               <a:rPr lang="da-DK" smtClean="0"/>
-              <a:t>10-09-2018</a:t>
+              <a:t>29-09-2018</a:t>
             </a:fld>
             <a:endParaRPr lang="da-DK"/>
           </a:p>
@@ -428,7 +428,7 @@
           <a:p>
             <a:fld id="{E15B7D8E-2A20-4C0E-991C-872DBB7459A8}" type="datetimeFigureOut">
               <a:rPr lang="da-DK" smtClean="0"/>
-              <a:t>10-09-2018</a:t>
+              <a:t>29-09-2018</a:t>
             </a:fld>
             <a:endParaRPr lang="da-DK"/>
           </a:p>
@@ -608,7 +608,7 @@
           <a:p>
             <a:fld id="{E15B7D8E-2A20-4C0E-991C-872DBB7459A8}" type="datetimeFigureOut">
               <a:rPr lang="da-DK" smtClean="0"/>
-              <a:t>10-09-2018</a:t>
+              <a:t>29-09-2018</a:t>
             </a:fld>
             <a:endParaRPr lang="da-DK"/>
           </a:p>
@@ -778,7 +778,7 @@
           <a:p>
             <a:fld id="{E15B7D8E-2A20-4C0E-991C-872DBB7459A8}" type="datetimeFigureOut">
               <a:rPr lang="da-DK" smtClean="0"/>
-              <a:t>10-09-2018</a:t>
+              <a:t>29-09-2018</a:t>
             </a:fld>
             <a:endParaRPr lang="da-DK"/>
           </a:p>
@@ -1024,7 +1024,7 @@
           <a:p>
             <a:fld id="{E15B7D8E-2A20-4C0E-991C-872DBB7459A8}" type="datetimeFigureOut">
               <a:rPr lang="da-DK" smtClean="0"/>
-              <a:t>10-09-2018</a:t>
+              <a:t>29-09-2018</a:t>
             </a:fld>
             <a:endParaRPr lang="da-DK"/>
           </a:p>
@@ -1256,7 +1256,7 @@
           <a:p>
             <a:fld id="{E15B7D8E-2A20-4C0E-991C-872DBB7459A8}" type="datetimeFigureOut">
               <a:rPr lang="da-DK" smtClean="0"/>
-              <a:t>10-09-2018</a:t>
+              <a:t>29-09-2018</a:t>
             </a:fld>
             <a:endParaRPr lang="da-DK"/>
           </a:p>
@@ -1623,7 +1623,7 @@
           <a:p>
             <a:fld id="{E15B7D8E-2A20-4C0E-991C-872DBB7459A8}" type="datetimeFigureOut">
               <a:rPr lang="da-DK" smtClean="0"/>
-              <a:t>10-09-2018</a:t>
+              <a:t>29-09-2018</a:t>
             </a:fld>
             <a:endParaRPr lang="da-DK"/>
           </a:p>
@@ -1741,7 +1741,7 @@
           <a:p>
             <a:fld id="{E15B7D8E-2A20-4C0E-991C-872DBB7459A8}" type="datetimeFigureOut">
               <a:rPr lang="da-DK" smtClean="0"/>
-              <a:t>10-09-2018</a:t>
+              <a:t>29-09-2018</a:t>
             </a:fld>
             <a:endParaRPr lang="da-DK"/>
           </a:p>
@@ -1836,7 +1836,7 @@
           <a:p>
             <a:fld id="{E15B7D8E-2A20-4C0E-991C-872DBB7459A8}" type="datetimeFigureOut">
               <a:rPr lang="da-DK" smtClean="0"/>
-              <a:t>10-09-2018</a:t>
+              <a:t>29-09-2018</a:t>
             </a:fld>
             <a:endParaRPr lang="da-DK"/>
           </a:p>
@@ -2113,7 +2113,7 @@
           <a:p>
             <a:fld id="{E15B7D8E-2A20-4C0E-991C-872DBB7459A8}" type="datetimeFigureOut">
               <a:rPr lang="da-DK" smtClean="0"/>
-              <a:t>10-09-2018</a:t>
+              <a:t>29-09-2018</a:t>
             </a:fld>
             <a:endParaRPr lang="da-DK"/>
           </a:p>
@@ -2366,7 +2366,7 @@
           <a:p>
             <a:fld id="{E15B7D8E-2A20-4C0E-991C-872DBB7459A8}" type="datetimeFigureOut">
               <a:rPr lang="da-DK" smtClean="0"/>
-              <a:t>10-09-2018</a:t>
+              <a:t>29-09-2018</a:t>
             </a:fld>
             <a:endParaRPr lang="da-DK"/>
           </a:p>
@@ -2579,7 +2579,7 @@
           <a:p>
             <a:fld id="{E15B7D8E-2A20-4C0E-991C-872DBB7459A8}" type="datetimeFigureOut">
               <a:rPr lang="da-DK" smtClean="0"/>
-              <a:t>10-09-2018</a:t>
+              <a:t>29-09-2018</a:t>
             </a:fld>
             <a:endParaRPr lang="da-DK"/>
           </a:p>
@@ -3469,8 +3469,23 @@
                 </a:solidFill>
                 <a:latin typeface="Consolas" panose="020B0609020204030204" pitchFamily="49" charset="0"/>
               </a:rPr>
-              <a:t>(CalculateAge(e.DateOfBirth) &gt;= 46)</a:t>
-            </a:r>
+              <a:t>(CalculateAge(e.DateOfBirth) </a:t>
+            </a:r>
+            <a:r>
+              <a:rPr lang="da-DK" sz="2000" b="1" smtClean="0">
+                <a:solidFill>
+                  <a:srgbClr val="000000"/>
+                </a:solidFill>
+                <a:latin typeface="Consolas" panose="020B0609020204030204" pitchFamily="49" charset="0"/>
+              </a:rPr>
+              <a:t>&gt; 45)</a:t>
+            </a:r>
+            <a:endParaRPr lang="da-DK" sz="2000" b="1">
+              <a:solidFill>
+                <a:srgbClr val="000000"/>
+              </a:solidFill>
+              <a:latin typeface="Consolas" panose="020B0609020204030204" pitchFamily="49" charset="0"/>
+            </a:endParaRPr>
           </a:p>
           <a:p>
             <a:pPr marL="0" indent="0">
@@ -4101,14 +4116,14 @@
           <p:nvPr>
             <p:extLst>
               <p:ext uri="{D42A27DB-BD31-4B8C-83A1-F6EECF244321}">
-                <p14:modId xmlns:p14="http://schemas.microsoft.com/office/powerpoint/2010/main" val="2337802734"/>
+                <p14:modId xmlns:p14="http://schemas.microsoft.com/office/powerpoint/2010/main" val="3162909728"/>
               </p:ext>
             </p:extLst>
           </p:nvPr>
         </p:nvGraphicFramePr>
         <p:xfrm>
-          <a:off x="406398" y="2121748"/>
-          <a:ext cx="4057228" cy="2961640"/>
+          <a:off x="406396" y="2121748"/>
+          <a:ext cx="4261856" cy="2961640"/>
         </p:xfrm>
         <a:graphic>
           <a:graphicData uri="http://schemas.openxmlformats.org/drawingml/2006/table">
@@ -4117,28 +4132,28 @@
                 <a:tableStyleId>{912C8C85-51F0-491E-9774-3900AFEF0FD7}</a:tableStyleId>
               </a:tblPr>
               <a:tblGrid>
-                <a:gridCol w="1014307">
+                <a:gridCol w="1065464">
                   <a:extLst>
                     <a:ext uri="{9D8B030D-6E8A-4147-A177-3AD203B41FA5}">
                       <a16:colId xmlns:a16="http://schemas.microsoft.com/office/drawing/2014/main" val="1274147566"/>
                     </a:ext>
                   </a:extLst>
                 </a:gridCol>
-                <a:gridCol w="1014307">
+                <a:gridCol w="1065464">
                   <a:extLst>
                     <a:ext uri="{9D8B030D-6E8A-4147-A177-3AD203B41FA5}">
                       <a16:colId xmlns:a16="http://schemas.microsoft.com/office/drawing/2014/main" val="4269118012"/>
                     </a:ext>
                   </a:extLst>
                 </a:gridCol>
-                <a:gridCol w="1014307">
+                <a:gridCol w="1065464">
                   <a:extLst>
                     <a:ext uri="{9D8B030D-6E8A-4147-A177-3AD203B41FA5}">
                       <a16:colId xmlns:a16="http://schemas.microsoft.com/office/drawing/2014/main" val="1748102893"/>
                     </a:ext>
                   </a:extLst>
                 </a:gridCol>
-                <a:gridCol w="1014307">
+                <a:gridCol w="1065464">
                   <a:extLst>
                     <a:ext uri="{9D8B030D-6E8A-4147-A177-3AD203B41FA5}">
                       <a16:colId xmlns:a16="http://schemas.microsoft.com/office/drawing/2014/main" val="4175138127"/>
@@ -4410,7 +4425,7 @@
                       <a:pPr algn="ctr"/>
                       <a:r>
                         <a:rPr lang="da-DK" sz="1200" b="1" smtClean="0"/>
-                        <a:t>dateOfBirth</a:t>
+                        <a:t>date_of_birth</a:t>
                       </a:r>
                       <a:endParaRPr lang="da-DK" sz="1200" b="1"/>
                     </a:p>
@@ -8118,7 +8133,15 @@
             <a:pPr lvl="0"/>
             <a:r>
               <a:rPr lang="da-DK" sz="3200" smtClean="0"/>
-              <a:t>NB: Use singular, </a:t>
+              <a:t>NB: Use </a:t>
+            </a:r>
+            <a:r>
+              <a:rPr lang="da-DK" sz="3200" u="sng" smtClean="0"/>
+              <a:t>singular</a:t>
+            </a:r>
+            <a:r>
+              <a:rPr lang="da-DK" sz="3200" smtClean="0"/>
+              <a:t> for table names, </a:t>
             </a:r>
             <a:r>
               <a:rPr lang="da-DK" sz="3200" u="sng" smtClean="0"/>
@@ -8210,7 +8233,7 @@
           <p:nvPr>
             <p:extLst>
               <p:ext uri="{D42A27DB-BD31-4B8C-83A1-F6EECF244321}">
-                <p14:modId xmlns:p14="http://schemas.microsoft.com/office/powerpoint/2010/main" val="2825505629"/>
+                <p14:modId xmlns:p14="http://schemas.microsoft.com/office/powerpoint/2010/main" val="573420763"/>
               </p:ext>
             </p:extLst>
           </p:nvPr>
@@ -8519,7 +8542,7 @@
                       <a:pPr algn="ctr"/>
                       <a:r>
                         <a:rPr lang="da-DK" sz="3200" b="1" smtClean="0"/>
-                        <a:t>dateOfBirth</a:t>
+                        <a:t>date_of_birth</a:t>
                       </a:r>
                       <a:endParaRPr lang="da-DK" sz="3200" b="1"/>
                     </a:p>
@@ -10808,7 +10831,7 @@
           <p:nvPr>
             <p:extLst>
               <p:ext uri="{D42A27DB-BD31-4B8C-83A1-F6EECF244321}">
-                <p14:modId xmlns:p14="http://schemas.microsoft.com/office/powerpoint/2010/main" val="3391139933"/>
+                <p14:modId xmlns:p14="http://schemas.microsoft.com/office/powerpoint/2010/main" val="3936075993"/>
               </p:ext>
             </p:extLst>
           </p:nvPr>
@@ -11117,7 +11140,7 @@
                       <a:pPr algn="ctr"/>
                       <a:r>
                         <a:rPr lang="da-DK" sz="3200" b="1" smtClean="0"/>
-                        <a:t>dateOfBirth</a:t>
+                        <a:t>date_of_birth</a:t>
                       </a:r>
                       <a:endParaRPr lang="da-DK" sz="3200" b="1"/>
                     </a:p>
@@ -13575,7 +13598,7 @@
           <p:nvPr>
             <p:extLst>
               <p:ext uri="{D42A27DB-BD31-4B8C-83A1-F6EECF244321}">
-                <p14:modId xmlns:p14="http://schemas.microsoft.com/office/powerpoint/2010/main" val="1171408528"/>
+                <p14:modId xmlns:p14="http://schemas.microsoft.com/office/powerpoint/2010/main" val="2455169309"/>
               </p:ext>
             </p:extLst>
           </p:nvPr>
@@ -13884,7 +13907,7 @@
                       <a:pPr algn="ctr"/>
                       <a:r>
                         <a:rPr lang="da-DK" sz="3200" b="1" smtClean="0"/>
-                        <a:t>dateOfBirth</a:t>
+                        <a:t>date_of_birth</a:t>
                       </a:r>
                       <a:endParaRPr lang="da-DK" sz="3200" b="1"/>
                     </a:p>
@@ -15752,7 +15775,7 @@
           <p:nvPr>
             <p:extLst>
               <p:ext uri="{D42A27DB-BD31-4B8C-83A1-F6EECF244321}">
-                <p14:modId xmlns:p14="http://schemas.microsoft.com/office/powerpoint/2010/main" val="2566227289"/>
+                <p14:modId xmlns:p14="http://schemas.microsoft.com/office/powerpoint/2010/main" val="1424273737"/>
               </p:ext>
             </p:extLst>
           </p:nvPr>
@@ -16061,7 +16084,7 @@
                       <a:pPr algn="ctr"/>
                       <a:r>
                         <a:rPr lang="da-DK" sz="3200" b="1" smtClean="0"/>
-                        <a:t>dateOfBirth</a:t>
+                        <a:t>date_of_birth</a:t>
                       </a:r>
                       <a:endParaRPr lang="da-DK" sz="3200" b="1"/>
                     </a:p>
@@ -19256,13 +19279,19 @@
               <a:rPr lang="da-DK" altLang="da-DK" sz="3200" b="1" i="1">
                 <a:latin typeface="+mn-lt"/>
               </a:rPr>
-              <a:t>N</a:t>
+              <a:t>n</a:t>
             </a:r>
             <a:r>
               <a:rPr lang="da-DK" altLang="da-DK" sz="3200" b="1" i="1" smtClean="0">
                 <a:latin typeface="+mn-lt"/>
               </a:rPr>
-              <a:t>ame and </a:t>
+              <a:t>ame </a:t>
+            </a:r>
+            <a:r>
+              <a:rPr lang="da-DK" altLang="da-DK" sz="3200" b="1" i="1" smtClean="0">
+                <a:latin typeface="+mn-lt"/>
+              </a:rPr>
+              <a:t>and </a:t>
             </a:r>
           </a:p>
           <a:p>
